--- a/doc/veri2048.pptx
+++ b/doc/veri2048.pptx
@@ -15,7 +15,9 @@
     <p:sldId id="263" r:id="rId9"/>
     <p:sldId id="264" r:id="rId10"/>
     <p:sldId id="265" r:id="rId11"/>
-    <p:sldId id="266" r:id="rId12"/>
+    <p:sldId id="267" r:id="rId12"/>
+    <p:sldId id="268" r:id="rId13"/>
+    <p:sldId id="266" r:id="rId14"/>
   </p:sldIdLst>
   <p:sldSz cx="12192000" cy="6858000"/>
   <p:notesSz cx="6858000" cy="9144000"/>
@@ -114,6 +116,11 @@
       </a:defRPr>
     </a:lvl9pPr>
   </p:defaultTextStyle>
+  <p:extLst>
+    <p:ext uri="{EFAFB233-063F-42B5-8137-9DF3F51BA10A}">
+      <p15:sldGuideLst xmlns:p15="http://schemas.microsoft.com/office/powerpoint/2012/main"/>
+    </p:ext>
+  </p:extLst>
 </p:presentation>
 </file>
 
@@ -127,6 +134,10 @@
     </p:extLst>
   </p:cmAuthor>
 </p:cmAuthorLst>
+</file>
+
+<file path=ppt/revisionInfo.xml><?xml version="1.0" encoding="utf-8"?>
+<p1510:revInfo xmlns:a="http://schemas.openxmlformats.org/drawingml/2006/main" xmlns:r="http://schemas.openxmlformats.org/officeDocument/2006/relationships" xmlns:p1510="http://schemas.microsoft.com/office/powerpoint/2015/10/main"/>
 </file>
 
 <file path=ppt/slideLayouts/slideLayout1.xml><?xml version="1.0" encoding="utf-8"?>
@@ -851,7 +862,7 @@
           <a:p>
             <a:fld id="{0111751B-B6F9-470F-BDA7-10622FE4B0F3}" type="datetimeFigureOut">
               <a:rPr kumimoji="1" lang="ja-JP" altLang="en-US" smtClean="0"/>
-              <a:t>2017/8/5</a:t>
+              <a:t>2017/8/7</a:t>
             </a:fld>
             <a:endParaRPr kumimoji="1" lang="ja-JP" altLang="en-US"/>
           </a:p>
@@ -1102,7 +1113,7 @@
           <a:p>
             <a:fld id="{0111751B-B6F9-470F-BDA7-10622FE4B0F3}" type="datetimeFigureOut">
               <a:rPr kumimoji="1" lang="ja-JP" altLang="en-US" smtClean="0"/>
-              <a:t>2017/8/5</a:t>
+              <a:t>2017/8/7</a:t>
             </a:fld>
             <a:endParaRPr kumimoji="1" lang="ja-JP" altLang="en-US"/>
           </a:p>
@@ -1416,7 +1427,7 @@
           <a:p>
             <a:fld id="{0111751B-B6F9-470F-BDA7-10622FE4B0F3}" type="datetimeFigureOut">
               <a:rPr kumimoji="1" lang="ja-JP" altLang="en-US" smtClean="0"/>
-              <a:t>2017/8/5</a:t>
+              <a:t>2017/8/7</a:t>
             </a:fld>
             <a:endParaRPr kumimoji="1" lang="ja-JP" altLang="en-US"/>
           </a:p>
@@ -1757,7 +1768,7 @@
           <a:p>
             <a:fld id="{0111751B-B6F9-470F-BDA7-10622FE4B0F3}" type="datetimeFigureOut">
               <a:rPr kumimoji="1" lang="ja-JP" altLang="en-US" smtClean="0"/>
-              <a:t>2017/8/5</a:t>
+              <a:t>2017/8/7</a:t>
             </a:fld>
             <a:endParaRPr kumimoji="1" lang="ja-JP" altLang="en-US"/>
           </a:p>
@@ -2071,7 +2082,7 @@
           <a:p>
             <a:fld id="{0111751B-B6F9-470F-BDA7-10622FE4B0F3}" type="datetimeFigureOut">
               <a:rPr kumimoji="1" lang="ja-JP" altLang="en-US" smtClean="0"/>
-              <a:t>2017/8/5</a:t>
+              <a:t>2017/8/7</a:t>
             </a:fld>
             <a:endParaRPr kumimoji="1" lang="ja-JP" altLang="en-US"/>
           </a:p>
@@ -2464,7 +2475,7 @@
           <a:p>
             <a:fld id="{0111751B-B6F9-470F-BDA7-10622FE4B0F3}" type="datetimeFigureOut">
               <a:rPr kumimoji="1" lang="ja-JP" altLang="en-US" smtClean="0"/>
-              <a:t>2017/8/5</a:t>
+              <a:t>2017/8/7</a:t>
             </a:fld>
             <a:endParaRPr kumimoji="1" lang="ja-JP" altLang="en-US"/>
           </a:p>
@@ -2666,7 +2677,7 @@
           <a:p>
             <a:fld id="{0111751B-B6F9-470F-BDA7-10622FE4B0F3}" type="datetimeFigureOut">
               <a:rPr kumimoji="1" lang="ja-JP" altLang="en-US" smtClean="0"/>
-              <a:t>2017/8/5</a:t>
+              <a:t>2017/8/7</a:t>
             </a:fld>
             <a:endParaRPr kumimoji="1" lang="ja-JP" altLang="en-US"/>
           </a:p>
@@ -2878,7 +2889,7 @@
           <a:p>
             <a:fld id="{0111751B-B6F9-470F-BDA7-10622FE4B0F3}" type="datetimeFigureOut">
               <a:rPr kumimoji="1" lang="ja-JP" altLang="en-US" smtClean="0"/>
-              <a:t>2017/8/5</a:t>
+              <a:t>2017/8/7</a:t>
             </a:fld>
             <a:endParaRPr kumimoji="1" lang="ja-JP" altLang="en-US"/>
           </a:p>
@@ -3086,7 +3097,7 @@
           <a:p>
             <a:fld id="{0111751B-B6F9-470F-BDA7-10622FE4B0F3}" type="datetimeFigureOut">
               <a:rPr kumimoji="1" lang="ja-JP" altLang="en-US" smtClean="0"/>
-              <a:t>2017/8/5</a:t>
+              <a:t>2017/8/7</a:t>
             </a:fld>
             <a:endParaRPr kumimoji="1" lang="ja-JP" altLang="en-US"/>
           </a:p>
@@ -3333,7 +3344,7 @@
           <a:p>
             <a:fld id="{0111751B-B6F9-470F-BDA7-10622FE4B0F3}" type="datetimeFigureOut">
               <a:rPr kumimoji="1" lang="ja-JP" altLang="en-US" smtClean="0"/>
-              <a:t>2017/8/5</a:t>
+              <a:t>2017/8/7</a:t>
             </a:fld>
             <a:endParaRPr kumimoji="1" lang="ja-JP" altLang="en-US"/>
           </a:p>
@@ -3629,7 +3640,7 @@
           <a:p>
             <a:fld id="{0111751B-B6F9-470F-BDA7-10622FE4B0F3}" type="datetimeFigureOut">
               <a:rPr kumimoji="1" lang="ja-JP" altLang="en-US" smtClean="0"/>
-              <a:t>2017/8/5</a:t>
+              <a:t>2017/8/7</a:t>
             </a:fld>
             <a:endParaRPr kumimoji="1" lang="ja-JP" altLang="en-US"/>
           </a:p>
@@ -4067,7 +4078,7 @@
           <a:p>
             <a:fld id="{0111751B-B6F9-470F-BDA7-10622FE4B0F3}" type="datetimeFigureOut">
               <a:rPr kumimoji="1" lang="ja-JP" altLang="en-US" smtClean="0"/>
-              <a:t>2017/8/5</a:t>
+              <a:t>2017/8/7</a:t>
             </a:fld>
             <a:endParaRPr kumimoji="1" lang="ja-JP" altLang="en-US"/>
           </a:p>
@@ -4190,7 +4201,7 @@
           <a:p>
             <a:fld id="{0111751B-B6F9-470F-BDA7-10622FE4B0F3}" type="datetimeFigureOut">
               <a:rPr kumimoji="1" lang="ja-JP" altLang="en-US" smtClean="0"/>
-              <a:t>2017/8/5</a:t>
+              <a:t>2017/8/7</a:t>
             </a:fld>
             <a:endParaRPr kumimoji="1" lang="ja-JP" altLang="en-US"/>
           </a:p>
@@ -4285,7 +4296,7 @@
           <a:p>
             <a:fld id="{0111751B-B6F9-470F-BDA7-10622FE4B0F3}" type="datetimeFigureOut">
               <a:rPr kumimoji="1" lang="ja-JP" altLang="en-US" smtClean="0"/>
-              <a:t>2017/8/5</a:t>
+              <a:t>2017/8/7</a:t>
             </a:fld>
             <a:endParaRPr kumimoji="1" lang="ja-JP" altLang="en-US"/>
           </a:p>
@@ -4572,7 +4583,7 @@
           <a:p>
             <a:fld id="{0111751B-B6F9-470F-BDA7-10622FE4B0F3}" type="datetimeFigureOut">
               <a:rPr kumimoji="1" lang="ja-JP" altLang="en-US" smtClean="0"/>
-              <a:t>2017/8/5</a:t>
+              <a:t>2017/8/7</a:t>
             </a:fld>
             <a:endParaRPr kumimoji="1" lang="ja-JP" altLang="en-US"/>
           </a:p>
@@ -4835,7 +4846,7 @@
           <a:p>
             <a:fld id="{0111751B-B6F9-470F-BDA7-10622FE4B0F3}" type="datetimeFigureOut">
               <a:rPr kumimoji="1" lang="ja-JP" altLang="en-US" smtClean="0"/>
-              <a:t>2017/8/5</a:t>
+              <a:t>2017/8/7</a:t>
             </a:fld>
             <a:endParaRPr kumimoji="1" lang="ja-JP" altLang="en-US"/>
           </a:p>
@@ -5610,7 +5621,7 @@
           <a:p>
             <a:fld id="{0111751B-B6F9-470F-BDA7-10622FE4B0F3}" type="datetimeFigureOut">
               <a:rPr kumimoji="1" lang="ja-JP" altLang="en-US" smtClean="0"/>
-              <a:t>2017/8/5</a:t>
+              <a:t>2017/8/7</a:t>
             </a:fld>
             <a:endParaRPr kumimoji="1" lang="ja-JP" altLang="en-US"/>
           </a:p>
@@ -6438,6 +6449,446 @@
           <p:cNvPr id="2" name="タイトル 1">
             <a:extLst>
               <a:ext uri="{FF2B5EF4-FFF2-40B4-BE49-F238E27FC236}">
+                <a16:creationId xmlns:a16="http://schemas.microsoft.com/office/drawing/2014/main" id="{BFCF6000-A004-4882-84B8-6B05C75E3CBD}"/>
+              </a:ext>
+            </a:extLst>
+          </p:cNvPr>
+          <p:cNvSpPr>
+            <a:spLocks noGrp="1"/>
+          </p:cNvSpPr>
+          <p:nvPr>
+            <p:ph type="title"/>
+          </p:nvPr>
+        </p:nvSpPr>
+        <p:spPr/>
+        <p:txBody>
+          <a:bodyPr>
+            <a:normAutofit/>
+          </a:bodyPr>
+          <a:lstStyle/>
+          <a:p>
+            <a:pPr algn="ctr"/>
+            <a:r>
+              <a:rPr lang="ja-JP" altLang="en-US" sz="6000" dirty="0" err="1"/>
+              <a:t>ちゃ</a:t>
+            </a:r>
+            <a:r>
+              <a:rPr lang="ja-JP" altLang="en-US" sz="6000" dirty="0"/>
+              <a:t>たりんぐ</a:t>
+            </a:r>
+            <a:r>
+              <a:rPr kumimoji="1" lang="ja-JP" altLang="en-US" sz="6000" dirty="0"/>
+              <a:t>？</a:t>
+            </a:r>
+          </a:p>
+        </p:txBody>
+      </p:sp>
+      <p:sp>
+        <p:nvSpPr>
+          <p:cNvPr id="3" name="コンテンツ プレースホルダー 2">
+            <a:extLst>
+              <a:ext uri="{FF2B5EF4-FFF2-40B4-BE49-F238E27FC236}">
+                <a16:creationId xmlns:a16="http://schemas.microsoft.com/office/drawing/2014/main" id="{F62E96B5-0DA1-4BBB-8AB6-7E71687B3227}"/>
+              </a:ext>
+            </a:extLst>
+          </p:cNvPr>
+          <p:cNvSpPr>
+            <a:spLocks noGrp="1"/>
+          </p:cNvSpPr>
+          <p:nvPr>
+            <p:ph idx="1"/>
+          </p:nvPr>
+        </p:nvSpPr>
+        <p:spPr>
+          <a:xfrm>
+            <a:off x="677334" y="1734531"/>
+            <a:ext cx="8596668" cy="4911365"/>
+          </a:xfrm>
+        </p:spPr>
+        <p:txBody>
+          <a:bodyPr>
+            <a:noAutofit/>
+          </a:bodyPr>
+          <a:lstStyle/>
+          <a:p>
+            <a:r>
+              <a:rPr kumimoji="1" lang="ja-JP" altLang="en-US" sz="2800" dirty="0"/>
+              <a:t>ボタンを押しているときにオンオフが切り替わってしまうこと</a:t>
+            </a:r>
+            <a:endParaRPr kumimoji="1" lang="en-US" altLang="ja-JP" sz="2800" dirty="0"/>
+          </a:p>
+          <a:p>
+            <a:pPr lvl="1"/>
+            <a:r>
+              <a:rPr kumimoji="1" lang="ja-JP" altLang="en-US" sz="2800" dirty="0"/>
+              <a:t>入力を</a:t>
+            </a:r>
+            <a:r>
+              <a:rPr kumimoji="1" lang="en-US" altLang="ja-JP" sz="2800" dirty="0"/>
+              <a:t>40MHz</a:t>
+            </a:r>
+            <a:r>
+              <a:rPr kumimoji="1" lang="ja-JP" altLang="en-US" sz="2800" dirty="0"/>
+              <a:t>で読み取るので感度が超高い</a:t>
+            </a:r>
+            <a:endParaRPr kumimoji="1" lang="en-US" altLang="ja-JP" sz="2800" dirty="0"/>
+          </a:p>
+          <a:p>
+            <a:pPr lvl="2"/>
+            <a:r>
+              <a:rPr kumimoji="1" lang="ja-JP" altLang="en-US" sz="2800" dirty="0"/>
+              <a:t>人間にはこんな感度必要ない</a:t>
+            </a:r>
+            <a:endParaRPr kumimoji="1" lang="en-US" altLang="ja-JP" sz="2800" dirty="0"/>
+          </a:p>
+          <a:p>
+            <a:endParaRPr lang="en-US" altLang="ja-JP" sz="2800" dirty="0"/>
+          </a:p>
+          <a:p>
+            <a:r>
+              <a:rPr kumimoji="1" lang="ja-JP" altLang="en-US" sz="2800" dirty="0"/>
+              <a:t>チャタリング除去アルゴリズム</a:t>
+            </a:r>
+            <a:endParaRPr kumimoji="1" lang="en-US" altLang="ja-JP" sz="2800" dirty="0"/>
+          </a:p>
+          <a:p>
+            <a:pPr marL="800100" lvl="1" indent="-342900">
+              <a:buFont typeface="+mj-lt"/>
+              <a:buAutoNum type="arabicPeriod"/>
+            </a:pPr>
+            <a:r>
+              <a:rPr kumimoji="1" lang="ja-JP" altLang="en-US" sz="2800" dirty="0"/>
+              <a:t>ボタンが押されたらフラグを立てる</a:t>
+            </a:r>
+            <a:endParaRPr kumimoji="1" lang="en-US" altLang="ja-JP" sz="2800" dirty="0"/>
+          </a:p>
+          <a:p>
+            <a:pPr marL="800100" lvl="1" indent="-342900">
+              <a:buFont typeface="+mj-lt"/>
+              <a:buAutoNum type="arabicPeriod"/>
+            </a:pPr>
+            <a:r>
+              <a:rPr kumimoji="1" lang="ja-JP" altLang="en-US" sz="2800" dirty="0"/>
+              <a:t>ボタンが一定時間離されたらフラグを降ろす</a:t>
+            </a:r>
+            <a:endParaRPr kumimoji="1" lang="en-US" altLang="ja-JP" sz="2800" dirty="0"/>
+          </a:p>
+          <a:p>
+            <a:pPr lvl="1"/>
+            <a:r>
+              <a:rPr lang="ja-JP" altLang="en-US" sz="2800" dirty="0"/>
+              <a:t>簡単だけどとても効果的</a:t>
+            </a:r>
+            <a:endParaRPr kumimoji="1" lang="en-US" altLang="ja-JP" sz="2800" dirty="0"/>
+          </a:p>
+        </p:txBody>
+      </p:sp>
+    </p:spTree>
+    <p:extLst>
+      <p:ext uri="{BB962C8B-B14F-4D97-AF65-F5344CB8AC3E}">
+        <p14:creationId xmlns:p14="http://schemas.microsoft.com/office/powerpoint/2010/main" val="468511919"/>
+      </p:ext>
+    </p:extLst>
+  </p:cSld>
+  <p:clrMapOvr>
+    <a:masterClrMapping/>
+  </p:clrMapOvr>
+</p:sld>
+</file>
+
+<file path=ppt/slides/slide12.xml><?xml version="1.0" encoding="utf-8"?>
+<p:sld xmlns:a="http://schemas.openxmlformats.org/drawingml/2006/main" xmlns:r="http://schemas.openxmlformats.org/officeDocument/2006/relationships" xmlns:p="http://schemas.openxmlformats.org/presentationml/2006/main">
+  <p:cSld>
+    <p:spTree>
+      <p:nvGrpSpPr>
+        <p:cNvPr id="1" name=""/>
+        <p:cNvGrpSpPr/>
+        <p:nvPr/>
+      </p:nvGrpSpPr>
+      <p:grpSpPr>
+        <a:xfrm>
+          <a:off x="0" y="0"/>
+          <a:ext cx="0" cy="0"/>
+          <a:chOff x="0" y="0"/>
+          <a:chExt cx="0" cy="0"/>
+        </a:xfrm>
+      </p:grpSpPr>
+      <p:sp>
+        <p:nvSpPr>
+          <p:cNvPr id="2" name="タイトル 1">
+            <a:extLst>
+              <a:ext uri="{FF2B5EF4-FFF2-40B4-BE49-F238E27FC236}">
+                <a16:creationId xmlns:a16="http://schemas.microsoft.com/office/drawing/2014/main" id="{E72CF9EF-83C1-40D9-BCA0-6C44E155DE70}"/>
+              </a:ext>
+            </a:extLst>
+          </p:cNvPr>
+          <p:cNvSpPr>
+            <a:spLocks noGrp="1"/>
+          </p:cNvSpPr>
+          <p:nvPr>
+            <p:ph type="title"/>
+          </p:nvPr>
+        </p:nvSpPr>
+        <p:spPr>
+          <a:xfrm>
+            <a:off x="677334" y="609600"/>
+            <a:ext cx="8596668" cy="889262"/>
+          </a:xfrm>
+        </p:spPr>
+        <p:txBody>
+          <a:bodyPr>
+            <a:normAutofit fontScale="90000"/>
+          </a:bodyPr>
+          <a:lstStyle/>
+          <a:p>
+            <a:pPr algn="ctr"/>
+            <a:r>
+              <a:rPr kumimoji="1" lang="ja-JP" altLang="en-US" sz="6000" dirty="0"/>
+              <a:t>おまけ</a:t>
+            </a:r>
+          </a:p>
+        </p:txBody>
+      </p:sp>
+      <p:sp>
+        <p:nvSpPr>
+          <p:cNvPr id="3" name="コンテンツ プレースホルダー 2">
+            <a:extLst>
+              <a:ext uri="{FF2B5EF4-FFF2-40B4-BE49-F238E27FC236}">
+                <a16:creationId xmlns:a16="http://schemas.microsoft.com/office/drawing/2014/main" id="{C5DB0946-FBFB-4B5C-9440-785D2D229911}"/>
+              </a:ext>
+            </a:extLst>
+          </p:cNvPr>
+          <p:cNvSpPr>
+            <a:spLocks noGrp="1"/>
+          </p:cNvSpPr>
+          <p:nvPr>
+            <p:ph idx="1"/>
+          </p:nvPr>
+        </p:nvSpPr>
+        <p:spPr>
+          <a:xfrm>
+            <a:off x="677334" y="1668545"/>
+            <a:ext cx="8596668" cy="386498"/>
+          </a:xfrm>
+        </p:spPr>
+        <p:txBody>
+          <a:bodyPr>
+            <a:noAutofit/>
+          </a:bodyPr>
+          <a:lstStyle/>
+          <a:p>
+            <a:r>
+              <a:rPr kumimoji="1" lang="ja-JP" altLang="en-US" sz="2800" dirty="0"/>
+              <a:t>ソースコード量 ・・ </a:t>
+            </a:r>
+            <a:r>
+              <a:rPr lang="ja-JP" altLang="en-US" sz="2800" dirty="0"/>
+              <a:t>約</a:t>
+            </a:r>
+            <a:r>
+              <a:rPr kumimoji="1" lang="en-US" altLang="ja-JP" sz="2800" dirty="0"/>
+              <a:t>6000</a:t>
+            </a:r>
+            <a:r>
+              <a:rPr kumimoji="1" lang="ja-JP" altLang="en-US" sz="2800" dirty="0"/>
+              <a:t>行</a:t>
+            </a:r>
+          </a:p>
+        </p:txBody>
+      </p:sp>
+      <p:pic>
+        <p:nvPicPr>
+          <p:cNvPr id="5" name="図 4">
+            <a:extLst>
+              <a:ext uri="{FF2B5EF4-FFF2-40B4-BE49-F238E27FC236}">
+                <a16:creationId xmlns:a16="http://schemas.microsoft.com/office/drawing/2014/main" id="{918FA8AF-1E3D-4270-A772-0C874A8FBF19}"/>
+              </a:ext>
+            </a:extLst>
+          </p:cNvPr>
+          <p:cNvPicPr>
+            <a:picLocks noChangeAspect="1"/>
+          </p:cNvPicPr>
+          <p:nvPr/>
+        </p:nvPicPr>
+        <p:blipFill>
+          <a:blip r:embed="rId2">
+            <a:extLst>
+              <a:ext uri="{28A0092B-C50C-407E-A947-70E740481C1C}">
+                <a14:useLocalDpi xmlns:a14="http://schemas.microsoft.com/office/drawing/2010/main" val="0"/>
+              </a:ext>
+            </a:extLst>
+          </a:blip>
+          <a:stretch>
+            <a:fillRect/>
+          </a:stretch>
+        </p:blipFill>
+        <p:spPr>
+          <a:xfrm>
+            <a:off x="509047" y="2739782"/>
+            <a:ext cx="4694239" cy="2690057"/>
+          </a:xfrm>
+          <a:prstGeom prst="rect">
+            <a:avLst/>
+          </a:prstGeom>
+        </p:spPr>
+      </p:pic>
+      <p:pic>
+        <p:nvPicPr>
+          <p:cNvPr id="7" name="図 6">
+            <a:extLst>
+              <a:ext uri="{FF2B5EF4-FFF2-40B4-BE49-F238E27FC236}">
+                <a16:creationId xmlns:a16="http://schemas.microsoft.com/office/drawing/2014/main" id="{26176C0C-F23D-468A-8B8B-A99E2B338934}"/>
+              </a:ext>
+            </a:extLst>
+          </p:cNvPr>
+          <p:cNvPicPr>
+            <a:picLocks noChangeAspect="1"/>
+          </p:cNvPicPr>
+          <p:nvPr/>
+        </p:nvPicPr>
+        <p:blipFill>
+          <a:blip r:embed="rId3">
+            <a:extLst>
+              <a:ext uri="{28A0092B-C50C-407E-A947-70E740481C1C}">
+                <a14:useLocalDpi xmlns:a14="http://schemas.microsoft.com/office/drawing/2010/main" val="0"/>
+              </a:ext>
+            </a:extLst>
+          </a:blip>
+          <a:stretch>
+            <a:fillRect/>
+          </a:stretch>
+        </p:blipFill>
+        <p:spPr>
+          <a:xfrm>
+            <a:off x="5354425" y="2739782"/>
+            <a:ext cx="4424451" cy="2695151"/>
+          </a:xfrm>
+          <a:prstGeom prst="rect">
+            <a:avLst/>
+          </a:prstGeom>
+        </p:spPr>
+      </p:pic>
+      <p:sp>
+        <p:nvSpPr>
+          <p:cNvPr id="8" name="テキスト ボックス 7">
+            <a:extLst>
+              <a:ext uri="{FF2B5EF4-FFF2-40B4-BE49-F238E27FC236}">
+                <a16:creationId xmlns:a16="http://schemas.microsoft.com/office/drawing/2014/main" id="{4EBF5EF5-8E37-4E83-B649-DF75AAFA9554}"/>
+              </a:ext>
+            </a:extLst>
+          </p:cNvPr>
+          <p:cNvSpPr txBox="1"/>
+          <p:nvPr/>
+        </p:nvSpPr>
+        <p:spPr>
+          <a:xfrm>
+            <a:off x="838985" y="5627802"/>
+            <a:ext cx="3280527" cy="954107"/>
+          </a:xfrm>
+          <a:prstGeom prst="rect">
+            <a:avLst/>
+          </a:prstGeom>
+          <a:noFill/>
+        </p:spPr>
+        <p:txBody>
+          <a:bodyPr wrap="square" rtlCol="0">
+            <a:spAutoFit/>
+          </a:bodyPr>
+          <a:lstStyle/>
+          <a:p>
+            <a:r>
+              <a:rPr kumimoji="1" lang="ja-JP" altLang="en-US" sz="2800" dirty="0"/>
+              <a:t>↑飛行機描画部（約</a:t>
+            </a:r>
+            <a:r>
+              <a:rPr kumimoji="1" lang="en-US" altLang="ja-JP" sz="2800" dirty="0"/>
+              <a:t>1000</a:t>
+            </a:r>
+            <a:r>
+              <a:rPr kumimoji="1" lang="ja-JP" altLang="en-US" sz="2800" dirty="0"/>
+              <a:t>行）</a:t>
+            </a:r>
+          </a:p>
+        </p:txBody>
+      </p:sp>
+      <p:sp>
+        <p:nvSpPr>
+          <p:cNvPr id="9" name="テキスト ボックス 8">
+            <a:extLst>
+              <a:ext uri="{FF2B5EF4-FFF2-40B4-BE49-F238E27FC236}">
+                <a16:creationId xmlns:a16="http://schemas.microsoft.com/office/drawing/2014/main" id="{BB84F8D7-2D52-46F4-A314-DE0AF5455DA7}"/>
+              </a:ext>
+            </a:extLst>
+          </p:cNvPr>
+          <p:cNvSpPr txBox="1"/>
+          <p:nvPr/>
+        </p:nvSpPr>
+        <p:spPr>
+          <a:xfrm>
+            <a:off x="5313105" y="5627801"/>
+            <a:ext cx="3960897" cy="954107"/>
+          </a:xfrm>
+          <a:prstGeom prst="rect">
+            <a:avLst/>
+          </a:prstGeom>
+          <a:noFill/>
+        </p:spPr>
+        <p:txBody>
+          <a:bodyPr wrap="square" rtlCol="0">
+            <a:spAutoFit/>
+          </a:bodyPr>
+          <a:lstStyle/>
+          <a:p>
+            <a:r>
+              <a:rPr kumimoji="1" lang="ja-JP" altLang="en-US" sz="2800" dirty="0"/>
+              <a:t>↑セルのマージ処理部（</a:t>
+            </a:r>
+            <a:r>
+              <a:rPr kumimoji="1" lang="en-US" altLang="ja-JP" sz="2800" dirty="0"/>
+              <a:t>2500</a:t>
+            </a:r>
+            <a:r>
+              <a:rPr kumimoji="1" lang="ja-JP" altLang="en-US" sz="2800" dirty="0"/>
+              <a:t>行）</a:t>
+            </a:r>
+          </a:p>
+        </p:txBody>
+      </p:sp>
+    </p:spTree>
+    <p:extLst>
+      <p:ext uri="{BB962C8B-B14F-4D97-AF65-F5344CB8AC3E}">
+        <p14:creationId xmlns:p14="http://schemas.microsoft.com/office/powerpoint/2010/main" val="2100387817"/>
+      </p:ext>
+    </p:extLst>
+  </p:cSld>
+  <p:clrMapOvr>
+    <a:masterClrMapping/>
+  </p:clrMapOvr>
+</p:sld>
+</file>
+
+<file path=ppt/slides/slide13.xml><?xml version="1.0" encoding="utf-8"?>
+<p:sld xmlns:a="http://schemas.openxmlformats.org/drawingml/2006/main" xmlns:r="http://schemas.openxmlformats.org/officeDocument/2006/relationships" xmlns:p="http://schemas.openxmlformats.org/presentationml/2006/main">
+  <p:cSld>
+    <p:spTree>
+      <p:nvGrpSpPr>
+        <p:cNvPr id="1" name=""/>
+        <p:cNvGrpSpPr/>
+        <p:nvPr/>
+      </p:nvGrpSpPr>
+      <p:grpSpPr>
+        <a:xfrm>
+          <a:off x="0" y="0"/>
+          <a:ext cx="0" cy="0"/>
+          <a:chOff x="0" y="0"/>
+          <a:chExt cx="0" cy="0"/>
+        </a:xfrm>
+      </p:grpSpPr>
+      <p:sp>
+        <p:nvSpPr>
+          <p:cNvPr id="2" name="タイトル 1">
+            <a:extLst>
+              <a:ext uri="{FF2B5EF4-FFF2-40B4-BE49-F238E27FC236}">
                 <a16:creationId xmlns:a16="http://schemas.microsoft.com/office/drawing/2014/main" id="{24C170CD-C5EB-4FD5-95B8-4B11970AE9AA}"/>
               </a:ext>
             </a:extLst>
